--- a/Docs/UI.pptx
+++ b/Docs/UI.pptx
@@ -262,7 +262,7 @@
           <a:p>
             <a:fld id="{07D18DED-6FCB-8A47-9121-98E922A5B9EF}" type="datetimeFigureOut">
               <a:rPr lang="es-ES" smtClean="0"/>
-              <a:t>27/3/20</a:t>
+              <a:t>29/3/20</a:t>
             </a:fld>
             <a:endParaRPr lang="es-ES"/>
           </a:p>
@@ -316,7 +316,7 @@
           <a:p>
             <a:fld id="{A6FA9A6E-E635-CA4C-BB83-E92004B3A7BB}" type="slidenum">
               <a:rPr lang="es-ES" smtClean="0"/>
-              <a:t>‹Nº›</a:t>
+              <a:t>‹#›</a:t>
             </a:fld>
             <a:endParaRPr lang="es-ES"/>
           </a:p>
@@ -460,7 +460,7 @@
           <a:p>
             <a:fld id="{07D18DED-6FCB-8A47-9121-98E922A5B9EF}" type="datetimeFigureOut">
               <a:rPr lang="es-ES" smtClean="0"/>
-              <a:t>27/3/20</a:t>
+              <a:t>29/3/20</a:t>
             </a:fld>
             <a:endParaRPr lang="es-ES"/>
           </a:p>
@@ -514,7 +514,7 @@
           <a:p>
             <a:fld id="{A6FA9A6E-E635-CA4C-BB83-E92004B3A7BB}" type="slidenum">
               <a:rPr lang="es-ES" smtClean="0"/>
-              <a:t>‹Nº›</a:t>
+              <a:t>‹#›</a:t>
             </a:fld>
             <a:endParaRPr lang="es-ES"/>
           </a:p>
@@ -668,7 +668,7 @@
           <a:p>
             <a:fld id="{07D18DED-6FCB-8A47-9121-98E922A5B9EF}" type="datetimeFigureOut">
               <a:rPr lang="es-ES" smtClean="0"/>
-              <a:t>27/3/20</a:t>
+              <a:t>29/3/20</a:t>
             </a:fld>
             <a:endParaRPr lang="es-ES"/>
           </a:p>
@@ -722,7 +722,7 @@
           <a:p>
             <a:fld id="{A6FA9A6E-E635-CA4C-BB83-E92004B3A7BB}" type="slidenum">
               <a:rPr lang="es-ES" smtClean="0"/>
-              <a:t>‹Nº›</a:t>
+              <a:t>‹#›</a:t>
             </a:fld>
             <a:endParaRPr lang="es-ES"/>
           </a:p>
@@ -866,7 +866,7 @@
           <a:p>
             <a:fld id="{07D18DED-6FCB-8A47-9121-98E922A5B9EF}" type="datetimeFigureOut">
               <a:rPr lang="es-ES" smtClean="0"/>
-              <a:t>27/3/20</a:t>
+              <a:t>29/3/20</a:t>
             </a:fld>
             <a:endParaRPr lang="es-ES"/>
           </a:p>
@@ -920,7 +920,7 @@
           <a:p>
             <a:fld id="{A6FA9A6E-E635-CA4C-BB83-E92004B3A7BB}" type="slidenum">
               <a:rPr lang="es-ES" smtClean="0"/>
-              <a:t>‹Nº›</a:t>
+              <a:t>‹#›</a:t>
             </a:fld>
             <a:endParaRPr lang="es-ES"/>
           </a:p>
@@ -1141,7 +1141,7 @@
           <a:p>
             <a:fld id="{07D18DED-6FCB-8A47-9121-98E922A5B9EF}" type="datetimeFigureOut">
               <a:rPr lang="es-ES" smtClean="0"/>
-              <a:t>27/3/20</a:t>
+              <a:t>29/3/20</a:t>
             </a:fld>
             <a:endParaRPr lang="es-ES"/>
           </a:p>
@@ -1195,7 +1195,7 @@
           <a:p>
             <a:fld id="{A6FA9A6E-E635-CA4C-BB83-E92004B3A7BB}" type="slidenum">
               <a:rPr lang="es-ES" smtClean="0"/>
-              <a:t>‹Nº›</a:t>
+              <a:t>‹#›</a:t>
             </a:fld>
             <a:endParaRPr lang="es-ES"/>
           </a:p>
@@ -1406,7 +1406,7 @@
           <a:p>
             <a:fld id="{07D18DED-6FCB-8A47-9121-98E922A5B9EF}" type="datetimeFigureOut">
               <a:rPr lang="es-ES" smtClean="0"/>
-              <a:t>27/3/20</a:t>
+              <a:t>29/3/20</a:t>
             </a:fld>
             <a:endParaRPr lang="es-ES"/>
           </a:p>
@@ -1460,7 +1460,7 @@
           <a:p>
             <a:fld id="{A6FA9A6E-E635-CA4C-BB83-E92004B3A7BB}" type="slidenum">
               <a:rPr lang="es-ES" smtClean="0"/>
-              <a:t>‹Nº›</a:t>
+              <a:t>‹#›</a:t>
             </a:fld>
             <a:endParaRPr lang="es-ES"/>
           </a:p>
@@ -1818,7 +1818,7 @@
           <a:p>
             <a:fld id="{07D18DED-6FCB-8A47-9121-98E922A5B9EF}" type="datetimeFigureOut">
               <a:rPr lang="es-ES" smtClean="0"/>
-              <a:t>27/3/20</a:t>
+              <a:t>29/3/20</a:t>
             </a:fld>
             <a:endParaRPr lang="es-ES"/>
           </a:p>
@@ -1872,7 +1872,7 @@
           <a:p>
             <a:fld id="{A6FA9A6E-E635-CA4C-BB83-E92004B3A7BB}" type="slidenum">
               <a:rPr lang="es-ES" smtClean="0"/>
-              <a:t>‹Nº›</a:t>
+              <a:t>‹#›</a:t>
             </a:fld>
             <a:endParaRPr lang="es-ES"/>
           </a:p>
@@ -1959,7 +1959,7 @@
           <a:p>
             <a:fld id="{07D18DED-6FCB-8A47-9121-98E922A5B9EF}" type="datetimeFigureOut">
               <a:rPr lang="es-ES" smtClean="0"/>
-              <a:t>27/3/20</a:t>
+              <a:t>29/3/20</a:t>
             </a:fld>
             <a:endParaRPr lang="es-ES"/>
           </a:p>
@@ -2013,7 +2013,7 @@
           <a:p>
             <a:fld id="{A6FA9A6E-E635-CA4C-BB83-E92004B3A7BB}" type="slidenum">
               <a:rPr lang="es-ES" smtClean="0"/>
-              <a:t>‹Nº›</a:t>
+              <a:t>‹#›</a:t>
             </a:fld>
             <a:endParaRPr lang="es-ES"/>
           </a:p>
@@ -2072,7 +2072,7 @@
           <a:p>
             <a:fld id="{07D18DED-6FCB-8A47-9121-98E922A5B9EF}" type="datetimeFigureOut">
               <a:rPr lang="es-ES" smtClean="0"/>
-              <a:t>27/3/20</a:t>
+              <a:t>29/3/20</a:t>
             </a:fld>
             <a:endParaRPr lang="es-ES"/>
           </a:p>
@@ -2126,7 +2126,7 @@
           <a:p>
             <a:fld id="{A6FA9A6E-E635-CA4C-BB83-E92004B3A7BB}" type="slidenum">
               <a:rPr lang="es-ES" smtClean="0"/>
-              <a:t>‹Nº›</a:t>
+              <a:t>‹#›</a:t>
             </a:fld>
             <a:endParaRPr lang="es-ES"/>
           </a:p>
@@ -2383,7 +2383,7 @@
           <a:p>
             <a:fld id="{07D18DED-6FCB-8A47-9121-98E922A5B9EF}" type="datetimeFigureOut">
               <a:rPr lang="es-ES" smtClean="0"/>
-              <a:t>27/3/20</a:t>
+              <a:t>29/3/20</a:t>
             </a:fld>
             <a:endParaRPr lang="es-ES"/>
           </a:p>
@@ -2437,7 +2437,7 @@
           <a:p>
             <a:fld id="{A6FA9A6E-E635-CA4C-BB83-E92004B3A7BB}" type="slidenum">
               <a:rPr lang="es-ES" smtClean="0"/>
-              <a:t>‹Nº›</a:t>
+              <a:t>‹#›</a:t>
             </a:fld>
             <a:endParaRPr lang="es-ES"/>
           </a:p>
@@ -2671,7 +2671,7 @@
           <a:p>
             <a:fld id="{07D18DED-6FCB-8A47-9121-98E922A5B9EF}" type="datetimeFigureOut">
               <a:rPr lang="es-ES" smtClean="0"/>
-              <a:t>27/3/20</a:t>
+              <a:t>29/3/20</a:t>
             </a:fld>
             <a:endParaRPr lang="es-ES"/>
           </a:p>
@@ -2725,7 +2725,7 @@
           <a:p>
             <a:fld id="{A6FA9A6E-E635-CA4C-BB83-E92004B3A7BB}" type="slidenum">
               <a:rPr lang="es-ES" smtClean="0"/>
-              <a:t>‹Nº›</a:t>
+              <a:t>‹#›</a:t>
             </a:fld>
             <a:endParaRPr lang="es-ES"/>
           </a:p>
@@ -2912,7 +2912,7 @@
           <a:p>
             <a:fld id="{07D18DED-6FCB-8A47-9121-98E922A5B9EF}" type="datetimeFigureOut">
               <a:rPr lang="es-ES" smtClean="0"/>
-              <a:t>27/3/20</a:t>
+              <a:t>29/3/20</a:t>
             </a:fld>
             <a:endParaRPr lang="es-ES"/>
           </a:p>
@@ -3002,7 +3002,7 @@
           <a:p>
             <a:fld id="{A6FA9A6E-E635-CA4C-BB83-E92004B3A7BB}" type="slidenum">
               <a:rPr lang="es-ES" smtClean="0"/>
-              <a:t>‹Nº›</a:t>
+              <a:t>‹#›</a:t>
             </a:fld>
             <a:endParaRPr lang="es-ES"/>
           </a:p>
@@ -6277,7 +6277,7 @@
           <a:p>
             <a:pPr algn="ctr"/>
             <a:r>
-              <a:rPr lang="en-GB">
+              <a:rPr lang="en-GB" dirty="0">
                 <a:solidFill>
                   <a:sysClr val="windowText" lastClr="000000"/>
                 </a:solidFill>
@@ -6288,7 +6288,7 @@
           <a:p>
             <a:pPr algn="ctr"/>
             <a:r>
-              <a:rPr lang="en-GB">
+              <a:rPr lang="en-GB" dirty="0">
                 <a:solidFill>
                   <a:sysClr val="windowText" lastClr="000000"/>
                 </a:solidFill>
@@ -6299,7 +6299,7 @@
           <a:p>
             <a:pPr algn="ctr"/>
             <a:r>
-              <a:rPr lang="en-GB">
+              <a:rPr lang="en-GB" dirty="0">
                 <a:solidFill>
                   <a:sysClr val="windowText" lastClr="000000"/>
                 </a:solidFill>
@@ -6604,7 +6604,7 @@
           <a:p>
             <a:pPr algn="ctr"/>
             <a:r>
-              <a:rPr lang="en-GB">
+              <a:rPr lang="en-GB" dirty="0">
                 <a:solidFill>
                   <a:schemeClr val="tx1"/>
                 </a:solidFill>
@@ -7010,7 +7010,7 @@
           <a:p>
             <a:pPr algn="ctr"/>
             <a:r>
-              <a:rPr lang="en-GB">
+              <a:rPr lang="en-GB" dirty="0">
                 <a:ln>
                   <a:solidFill>
                     <a:sysClr val="windowText" lastClr="000000"/>
@@ -7373,6 +7373,55 @@
           <a:p>
             <a:pPr algn="ctr"/>
             <a:r>
+              <a:rPr lang="en-GB" sz="1200" dirty="0"/>
+              <a:t>Back</a:t>
+            </a:r>
+          </a:p>
+        </p:txBody>
+      </p:sp>
+      <p:sp>
+        <p:nvSpPr>
+          <p:cNvPr id="47" name="Elipse 46">
+            <a:extLst>
+              <a:ext uri="{FF2B5EF4-FFF2-40B4-BE49-F238E27FC236}">
+                <a16:creationId xmlns:a16="http://schemas.microsoft.com/office/drawing/2014/main" id="{B912DDD0-28CC-DF4B-AEB0-2BD24B5461E0}"/>
+              </a:ext>
+            </a:extLst>
+          </p:cNvPr>
+          <p:cNvSpPr/>
+          <p:nvPr/>
+        </p:nvSpPr>
+        <p:spPr>
+          <a:xfrm>
+            <a:off x="613431" y="5919621"/>
+            <a:ext cx="700271" cy="289613"/>
+          </a:xfrm>
+          <a:prstGeom prst="ellipse">
+            <a:avLst/>
+          </a:prstGeom>
+        </p:spPr>
+        <p:style>
+          <a:lnRef idx="2">
+            <a:schemeClr val="accent1">
+              <a:shade val="50000"/>
+            </a:schemeClr>
+          </a:lnRef>
+          <a:fillRef idx="1">
+            <a:schemeClr val="accent1"/>
+          </a:fillRef>
+          <a:effectRef idx="0">
+            <a:schemeClr val="accent1"/>
+          </a:effectRef>
+          <a:fontRef idx="minor">
+            <a:schemeClr val="lt1"/>
+          </a:fontRef>
+        </p:style>
+        <p:txBody>
+          <a:bodyPr rtlCol="0" anchor="ctr"/>
+          <a:lstStyle/>
+          <a:p>
+            <a:pPr algn="ctr"/>
+            <a:r>
               <a:rPr lang="en-GB" sz="1200"/>
               <a:t>Back</a:t>
             </a:r>
@@ -7381,10 +7430,10 @@
       </p:sp>
       <p:sp>
         <p:nvSpPr>
-          <p:cNvPr id="47" name="Elipse 46">
-            <a:extLst>
-              <a:ext uri="{FF2B5EF4-FFF2-40B4-BE49-F238E27FC236}">
-                <a16:creationId xmlns:a16="http://schemas.microsoft.com/office/drawing/2014/main" id="{B912DDD0-28CC-DF4B-AEB0-2BD24B5461E0}"/>
+          <p:cNvPr id="48" name="Elipse 47">
+            <a:extLst>
+              <a:ext uri="{FF2B5EF4-FFF2-40B4-BE49-F238E27FC236}">
+                <a16:creationId xmlns:a16="http://schemas.microsoft.com/office/drawing/2014/main" id="{9DC9D642-631D-0C4B-9D69-2E8FF67A12CD}"/>
               </a:ext>
             </a:extLst>
           </p:cNvPr>
@@ -7393,7 +7442,7 @@
         </p:nvSpPr>
         <p:spPr>
           <a:xfrm>
-            <a:off x="613431" y="5919621"/>
+            <a:off x="2733044" y="3749461"/>
             <a:ext cx="700271" cy="289613"/>
           </a:xfrm>
           <a:prstGeom prst="ellipse">
@@ -7430,10 +7479,10 @@
       </p:sp>
       <p:sp>
         <p:nvSpPr>
-          <p:cNvPr id="48" name="Elipse 47">
-            <a:extLst>
-              <a:ext uri="{FF2B5EF4-FFF2-40B4-BE49-F238E27FC236}">
-                <a16:creationId xmlns:a16="http://schemas.microsoft.com/office/drawing/2014/main" id="{9DC9D642-631D-0C4B-9D69-2E8FF67A12CD}"/>
+          <p:cNvPr id="50" name="Elipse 49">
+            <a:extLst>
+              <a:ext uri="{FF2B5EF4-FFF2-40B4-BE49-F238E27FC236}">
+                <a16:creationId xmlns:a16="http://schemas.microsoft.com/office/drawing/2014/main" id="{87E30DA2-6A03-8B42-9A55-8254AC27F5C1}"/>
               </a:ext>
             </a:extLst>
           </p:cNvPr>
@@ -7442,7 +7491,7 @@
         </p:nvSpPr>
         <p:spPr>
           <a:xfrm>
-            <a:off x="2733044" y="3749461"/>
+            <a:off x="8899053" y="1697692"/>
             <a:ext cx="700271" cy="289613"/>
           </a:xfrm>
           <a:prstGeom prst="ellipse">
@@ -7479,10 +7528,10 @@
       </p:sp>
       <p:sp>
         <p:nvSpPr>
-          <p:cNvPr id="50" name="Elipse 49">
-            <a:extLst>
-              <a:ext uri="{FF2B5EF4-FFF2-40B4-BE49-F238E27FC236}">
-                <a16:creationId xmlns:a16="http://schemas.microsoft.com/office/drawing/2014/main" id="{87E30DA2-6A03-8B42-9A55-8254AC27F5C1}"/>
+          <p:cNvPr id="51" name="Elipse 50">
+            <a:extLst>
+              <a:ext uri="{FF2B5EF4-FFF2-40B4-BE49-F238E27FC236}">
+                <a16:creationId xmlns:a16="http://schemas.microsoft.com/office/drawing/2014/main" id="{2305C2E3-2DBE-4545-8A53-630EF9F41154}"/>
               </a:ext>
             </a:extLst>
           </p:cNvPr>
@@ -7491,7 +7540,7 @@
         </p:nvSpPr>
         <p:spPr>
           <a:xfrm>
-            <a:off x="8899053" y="1697692"/>
+            <a:off x="8511087" y="3405765"/>
             <a:ext cx="700271" cy="289613"/>
           </a:xfrm>
           <a:prstGeom prst="ellipse">
@@ -7528,10 +7577,10 @@
       </p:sp>
       <p:sp>
         <p:nvSpPr>
-          <p:cNvPr id="51" name="Elipse 50">
-            <a:extLst>
-              <a:ext uri="{FF2B5EF4-FFF2-40B4-BE49-F238E27FC236}">
-                <a16:creationId xmlns:a16="http://schemas.microsoft.com/office/drawing/2014/main" id="{2305C2E3-2DBE-4545-8A53-630EF9F41154}"/>
+          <p:cNvPr id="52" name="Elipse 51">
+            <a:extLst>
+              <a:ext uri="{FF2B5EF4-FFF2-40B4-BE49-F238E27FC236}">
+                <a16:creationId xmlns:a16="http://schemas.microsoft.com/office/drawing/2014/main" id="{9E15B7A9-88AA-F745-9420-2E2C6A0C0EEA}"/>
               </a:ext>
             </a:extLst>
           </p:cNvPr>
@@ -7540,7 +7589,7 @@
         </p:nvSpPr>
         <p:spPr>
           <a:xfrm>
-            <a:off x="8511087" y="3405765"/>
+            <a:off x="2445837" y="5921357"/>
             <a:ext cx="700271" cy="289613"/>
           </a:xfrm>
           <a:prstGeom prst="ellipse">
@@ -7577,10 +7626,10 @@
       </p:sp>
       <p:sp>
         <p:nvSpPr>
-          <p:cNvPr id="52" name="Elipse 51">
-            <a:extLst>
-              <a:ext uri="{FF2B5EF4-FFF2-40B4-BE49-F238E27FC236}">
-                <a16:creationId xmlns:a16="http://schemas.microsoft.com/office/drawing/2014/main" id="{9E15B7A9-88AA-F745-9420-2E2C6A0C0EEA}"/>
+          <p:cNvPr id="53" name="Elipse 52">
+            <a:extLst>
+              <a:ext uri="{FF2B5EF4-FFF2-40B4-BE49-F238E27FC236}">
+                <a16:creationId xmlns:a16="http://schemas.microsoft.com/office/drawing/2014/main" id="{C6EDE79C-EBD5-9A47-82FB-D7035F766794}"/>
               </a:ext>
             </a:extLst>
           </p:cNvPr>
@@ -7589,8 +7638,8 @@
         </p:nvSpPr>
         <p:spPr>
           <a:xfrm>
-            <a:off x="2445837" y="5921357"/>
-            <a:ext cx="700271" cy="289613"/>
+            <a:off x="2791012" y="2953060"/>
+            <a:ext cx="761459" cy="277320"/>
           </a:xfrm>
           <a:prstGeom prst="ellipse">
             <a:avLst/>
@@ -7618,56 +7667,7 @@
           <a:p>
             <a:pPr algn="ctr"/>
             <a:r>
-              <a:rPr lang="en-GB" sz="1200"/>
-              <a:t>Back</a:t>
-            </a:r>
-          </a:p>
-        </p:txBody>
-      </p:sp>
-      <p:sp>
-        <p:nvSpPr>
-          <p:cNvPr id="53" name="Elipse 52">
-            <a:extLst>
-              <a:ext uri="{FF2B5EF4-FFF2-40B4-BE49-F238E27FC236}">
-                <a16:creationId xmlns:a16="http://schemas.microsoft.com/office/drawing/2014/main" id="{C6EDE79C-EBD5-9A47-82FB-D7035F766794}"/>
-              </a:ext>
-            </a:extLst>
-          </p:cNvPr>
-          <p:cNvSpPr/>
-          <p:nvPr/>
-        </p:nvSpPr>
-        <p:spPr>
-          <a:xfrm>
-            <a:off x="2791012" y="2940767"/>
-            <a:ext cx="700271" cy="289613"/>
-          </a:xfrm>
-          <a:prstGeom prst="ellipse">
-            <a:avLst/>
-          </a:prstGeom>
-        </p:spPr>
-        <p:style>
-          <a:lnRef idx="2">
-            <a:schemeClr val="accent1">
-              <a:shade val="50000"/>
-            </a:schemeClr>
-          </a:lnRef>
-          <a:fillRef idx="1">
-            <a:schemeClr val="accent1"/>
-          </a:fillRef>
-          <a:effectRef idx="0">
-            <a:schemeClr val="accent1"/>
-          </a:effectRef>
-          <a:fontRef idx="minor">
-            <a:schemeClr val="lt1"/>
-          </a:fontRef>
-        </p:style>
-        <p:txBody>
-          <a:bodyPr rtlCol="0" anchor="ctr"/>
-          <a:lstStyle/>
-          <a:p>
-            <a:pPr algn="ctr"/>
-            <a:r>
-              <a:rPr lang="en-GB" sz="1200"/>
+              <a:rPr lang="en-GB" sz="1200" dirty="0"/>
               <a:t>Back</a:t>
             </a:r>
           </a:p>
